--- a/agritecheast-2015/agritecheast.pptx
+++ b/agritecheast-2015/agritecheast.pptx
@@ -12569,8 +12569,8 @@
         </p:nvSpPr>
         <p:spPr>
           <a:xfrm>
-            <a:off x="3302000" y="7772400"/>
-            <a:ext cx="6324600" cy="1323439"/>
+            <a:off x="2844800" y="7543800"/>
+            <a:ext cx="7391400" cy="1938992"/>
           </a:xfrm>
           <a:prstGeom prst="rect">
             <a:avLst/>
@@ -12626,6 +12626,56 @@
                 <a:cs typeface="Arial"/>
               </a:rPr>
               <a:t>danmaclean</a:t>
+            </a:r>
+            <a:endParaRPr lang="en-US" sz="4000" dirty="0" smtClean="0">
+              <a:solidFill>
+                <a:schemeClr val="bg1"/>
+              </a:solidFill>
+              <a:latin typeface="Arial"/>
+              <a:cs typeface="Arial"/>
+            </a:endParaRPr>
+          </a:p>
+          <a:p>
+            <a:pPr algn="ctr"/>
+            <a:r>
+              <a:rPr lang="en-US" sz="4000" dirty="0" smtClean="0">
+                <a:solidFill>
+                  <a:schemeClr val="bg1"/>
+                </a:solidFill>
+                <a:latin typeface="Arial"/>
+                <a:cs typeface="Arial"/>
+              </a:rPr>
+              <a:t>http://</a:t>
+            </a:r>
+            <a:r>
+              <a:rPr lang="en-US" sz="4000" dirty="0" err="1" smtClean="0">
+                <a:solidFill>
+                  <a:schemeClr val="bg1"/>
+                </a:solidFill>
+                <a:latin typeface="Arial"/>
+                <a:cs typeface="Arial"/>
+              </a:rPr>
+              <a:t>tinyurl.com</a:t>
+            </a:r>
+            <a:r>
+              <a:rPr lang="en-US" sz="4000" dirty="0" smtClean="0">
+                <a:solidFill>
+                  <a:schemeClr val="bg1"/>
+                </a:solidFill>
+                <a:latin typeface="Arial"/>
+                <a:cs typeface="Arial"/>
+              </a:rPr>
+              <a:t>/</a:t>
+            </a:r>
+            <a:r>
+              <a:rPr lang="en-US" sz="4000" dirty="0" err="1" smtClean="0">
+                <a:solidFill>
+                  <a:schemeClr val="bg1"/>
+                </a:solidFill>
+                <a:latin typeface="Arial"/>
+                <a:cs typeface="Arial"/>
+              </a:rPr>
+              <a:t>dan-maclean</a:t>
             </a:r>
             <a:endParaRPr lang="en-US" dirty="0">
               <a:solidFill>
